--- a/Movie Production Recommendations for Microsoft Studios.pptx
+++ b/Movie Production Recommendations for Microsoft Studios.pptx
@@ -114,6 +114,11 @@
       </a:defRPr>
     </a:lvl9pPr>
   </p:defaultTextStyle>
+  <p:extLst>
+    <p:ext uri="{EFAFB233-063F-42B5-8137-9DF3F51BA10A}">
+      <p15:sldGuideLst xmlns:p15="http://schemas.microsoft.com/office/powerpoint/2012/main"/>
+    </p:ext>
+  </p:extLst>
 </p:presentation>
 </file>
 
@@ -8484,11 +8489,8 @@
           <a:p>
             <a:r>
               <a:rPr lang="en-US" dirty="0"/>
-              <a:t>Focus on production of …</a:t>
-            </a:r>
-          </a:p>
-          <a:p>
-            <a:endParaRPr lang="en-US" dirty="0"/>
+              <a:t>As a new production company, Microsoft should focus on the best return for their product. This will ensure revenue for future products.</a:t>
+            </a:r>
           </a:p>
           <a:p>
             <a:r>
